--- a/2018_Eink工作營.pptx
+++ b/2018_Eink工作營.pptx
@@ -5,7 +5,7 @@
     <p:sldMasterId id="2147483648" r:id="rId1"/>
   </p:sldMasterIdLst>
   <p:notesMasterIdLst>
-    <p:notesMasterId r:id="rId104"/>
+    <p:notesMasterId r:id="rId107"/>
   </p:notesMasterIdLst>
   <p:sldIdLst>
     <p:sldId id="353" r:id="rId2"/>
@@ -110,6 +110,9 @@
     <p:sldId id="350" r:id="rId101"/>
     <p:sldId id="352" r:id="rId102"/>
     <p:sldId id="351" r:id="rId103"/>
+    <p:sldId id="392" r:id="rId104"/>
+    <p:sldId id="394" r:id="rId105"/>
+    <p:sldId id="393" r:id="rId106"/>
   </p:sldIdLst>
   <p:sldSz cx="12192000" cy="6858000"/>
   <p:notesSz cx="6858000" cy="9144000"/>
@@ -349,6 +352,13 @@
             <p14:sldId id="351"/>
           </p14:sldIdLst>
         </p14:section>
+        <p14:section name="Project" id="{1BB5E3FD-30E4-403E-889C-9DDFD9218930}">
+          <p14:sldIdLst>
+            <p14:sldId id="392"/>
+            <p14:sldId id="394"/>
+            <p14:sldId id="393"/>
+          </p14:sldIdLst>
+        </p14:section>
       </p14:sectionLst>
     </p:ext>
     <p:ext uri="{EFAFB233-063F-42B5-8137-9DF3F51BA10A}">
@@ -440,7 +450,7 @@
           <a:p>
             <a:fld id="{62A25C57-FF84-4DD8-8CC7-1EBAF8F2224E}" type="datetimeFigureOut">
               <a:rPr lang="en-US" smtClean="0"/>
-              <a:t>2018-11-05</a:t>
+              <a:t>2018-11-06</a:t>
             </a:fld>
             <a:endParaRPr lang="en-US"/>
           </a:p>
@@ -1778,7 +1788,7 @@
           <a:p>
             <a:fld id="{50F66D71-DE00-4007-B44A-27D4352BB836}" type="datetimeFigureOut">
               <a:rPr lang="en-US" smtClean="0"/>
-              <a:t>2018-11-05</a:t>
+              <a:t>2018-11-06</a:t>
             </a:fld>
             <a:endParaRPr lang="en-US"/>
           </a:p>
@@ -2066,7 +2076,7 @@
           <a:p>
             <a:fld id="{50F66D71-DE00-4007-B44A-27D4352BB836}" type="datetimeFigureOut">
               <a:rPr lang="en-US" smtClean="0"/>
-              <a:t>2018-11-05</a:t>
+              <a:t>2018-11-06</a:t>
             </a:fld>
             <a:endParaRPr lang="en-US"/>
           </a:p>
@@ -2264,7 +2274,7 @@
           <a:p>
             <a:fld id="{50F66D71-DE00-4007-B44A-27D4352BB836}" type="datetimeFigureOut">
               <a:rPr lang="en-US" smtClean="0"/>
-              <a:t>2018-11-05</a:t>
+              <a:t>2018-11-06</a:t>
             </a:fld>
             <a:endParaRPr lang="en-US"/>
           </a:p>
@@ -2472,7 +2482,7 @@
           <a:p>
             <a:fld id="{50F66D71-DE00-4007-B44A-27D4352BB836}" type="datetimeFigureOut">
               <a:rPr lang="en-US" smtClean="0"/>
-              <a:t>2018-11-05</a:t>
+              <a:t>2018-11-06</a:t>
             </a:fld>
             <a:endParaRPr lang="en-US"/>
           </a:p>
@@ -2688,7 +2698,7 @@
           <a:p>
             <a:fld id="{50F66D71-DE00-4007-B44A-27D4352BB836}" type="datetimeFigureOut">
               <a:rPr lang="en-US" smtClean="0"/>
-              <a:t>2018-11-05</a:t>
+              <a:t>2018-11-06</a:t>
             </a:fld>
             <a:endParaRPr lang="en-US"/>
           </a:p>
@@ -2909,7 +2919,7 @@
           <a:p>
             <a:fld id="{50F66D71-DE00-4007-B44A-27D4352BB836}" type="datetimeFigureOut">
               <a:rPr lang="en-US" smtClean="0"/>
-              <a:t>2018-11-05</a:t>
+              <a:t>2018-11-06</a:t>
             </a:fld>
             <a:endParaRPr lang="en-US"/>
           </a:p>
@@ -3264,7 +3274,7 @@
           <a:p>
             <a:fld id="{50F66D71-DE00-4007-B44A-27D4352BB836}" type="datetimeFigureOut">
               <a:rPr lang="en-US" smtClean="0"/>
-              <a:t>2018-11-05</a:t>
+              <a:t>2018-11-06</a:t>
             </a:fld>
             <a:endParaRPr lang="en-US"/>
           </a:p>
@@ -3529,7 +3539,7 @@
           <a:p>
             <a:fld id="{50F66D71-DE00-4007-B44A-27D4352BB836}" type="datetimeFigureOut">
               <a:rPr lang="en-US" smtClean="0"/>
-              <a:t>2018-11-05</a:t>
+              <a:t>2018-11-06</a:t>
             </a:fld>
             <a:endParaRPr lang="en-US"/>
           </a:p>
@@ -3941,7 +3951,7 @@
           <a:p>
             <a:fld id="{50F66D71-DE00-4007-B44A-27D4352BB836}" type="datetimeFigureOut">
               <a:rPr lang="en-US" smtClean="0"/>
-              <a:t>2018-11-05</a:t>
+              <a:t>2018-11-06</a:t>
             </a:fld>
             <a:endParaRPr lang="en-US"/>
           </a:p>
@@ -4082,7 +4092,7 @@
           <a:p>
             <a:fld id="{50F66D71-DE00-4007-B44A-27D4352BB836}" type="datetimeFigureOut">
               <a:rPr lang="en-US" smtClean="0"/>
-              <a:t>2018-11-05</a:t>
+              <a:t>2018-11-06</a:t>
             </a:fld>
             <a:endParaRPr lang="en-US"/>
           </a:p>
@@ -4195,7 +4205,7 @@
           <a:p>
             <a:fld id="{50F66D71-DE00-4007-B44A-27D4352BB836}" type="datetimeFigureOut">
               <a:rPr lang="en-US" smtClean="0"/>
-              <a:t>2018-11-05</a:t>
+              <a:t>2018-11-06</a:t>
             </a:fld>
             <a:endParaRPr lang="en-US"/>
           </a:p>
@@ -4506,7 +4516,7 @@
           <a:p>
             <a:fld id="{50F66D71-DE00-4007-B44A-27D4352BB836}" type="datetimeFigureOut">
               <a:rPr lang="en-US" smtClean="0"/>
-              <a:t>2018-11-05</a:t>
+              <a:t>2018-11-06</a:t>
             </a:fld>
             <a:endParaRPr lang="en-US"/>
           </a:p>
@@ -4747,7 +4757,7 @@
           <a:p>
             <a:fld id="{50F66D71-DE00-4007-B44A-27D4352BB836}" type="datetimeFigureOut">
               <a:rPr lang="en-US" smtClean="0"/>
-              <a:t>2018-11-05</a:t>
+              <a:t>2018-11-06</a:t>
             </a:fld>
             <a:endParaRPr lang="en-US"/>
           </a:p>
@@ -5757,6 +5767,732 @@
     <p:extLst>
       <p:ext uri="{BB962C8B-B14F-4D97-AF65-F5344CB8AC3E}">
         <p14:creationId xmlns:p14="http://schemas.microsoft.com/office/powerpoint/2010/main" val="3534141762"/>
+      </p:ext>
+    </p:extLst>
+  </p:cSld>
+  <p:clrMapOvr>
+    <a:masterClrMapping/>
+  </p:clrMapOvr>
+</p:sld>
+</file>
+
+<file path=ppt/slides/slide103.xml><?xml version="1.0" encoding="utf-8"?>
+<p:sld xmlns:a="http://schemas.openxmlformats.org/drawingml/2006/main" xmlns:r="http://schemas.openxmlformats.org/officeDocument/2006/relationships" xmlns:p="http://schemas.openxmlformats.org/presentationml/2006/main">
+  <p:cSld>
+    <p:spTree>
+      <p:nvGrpSpPr>
+        <p:cNvPr id="1" name=""/>
+        <p:cNvGrpSpPr/>
+        <p:nvPr/>
+      </p:nvGrpSpPr>
+      <p:grpSpPr>
+        <a:xfrm>
+          <a:off x="0" y="0"/>
+          <a:ext cx="0" cy="0"/>
+          <a:chOff x="0" y="0"/>
+          <a:chExt cx="0" cy="0"/>
+        </a:xfrm>
+      </p:grpSpPr>
+      <p:sp>
+        <p:nvSpPr>
+          <p:cNvPr id="2" name="Title 1">
+            <a:extLst>
+              <a:ext uri="{FF2B5EF4-FFF2-40B4-BE49-F238E27FC236}">
+                <a16:creationId xmlns:a16="http://schemas.microsoft.com/office/drawing/2014/main" id="{04CBA402-0066-469B-9797-CE7587C51EA8}"/>
+              </a:ext>
+            </a:extLst>
+          </p:cNvPr>
+          <p:cNvSpPr>
+            <a:spLocks noGrp="1"/>
+          </p:cNvSpPr>
+          <p:nvPr>
+            <p:ph type="title"/>
+          </p:nvPr>
+        </p:nvSpPr>
+        <p:spPr/>
+        <p:txBody>
+          <a:bodyPr>
+            <a:normAutofit fontScale="90000"/>
+          </a:bodyPr>
+          <a:lstStyle/>
+          <a:p>
+            <a:r>
+              <a:rPr lang="zh-TW" altLang="en-US" dirty="0"/>
+              <a:t>發題</a:t>
+            </a:r>
+            <a:endParaRPr lang="en-US" dirty="0"/>
+          </a:p>
+        </p:txBody>
+      </p:sp>
+      <p:sp>
+        <p:nvSpPr>
+          <p:cNvPr id="3" name="Content Placeholder 2">
+            <a:extLst>
+              <a:ext uri="{FF2B5EF4-FFF2-40B4-BE49-F238E27FC236}">
+                <a16:creationId xmlns:a16="http://schemas.microsoft.com/office/drawing/2014/main" id="{123E2F09-2943-4768-894B-41A064EAABEC}"/>
+              </a:ext>
+            </a:extLst>
+          </p:cNvPr>
+          <p:cNvSpPr>
+            <a:spLocks noGrp="1"/>
+          </p:cNvSpPr>
+          <p:nvPr>
+            <p:ph idx="1"/>
+          </p:nvPr>
+        </p:nvSpPr>
+        <p:spPr/>
+        <p:txBody>
+          <a:bodyPr/>
+          <a:lstStyle/>
+          <a:p>
+            <a:r>
+              <a:rPr lang="zh-TW" altLang="en-US" dirty="0"/>
+              <a:t>以</a:t>
+            </a:r>
+            <a:r>
+              <a:rPr lang="en-US" altLang="zh-TW" dirty="0"/>
+              <a:t>C-hub</a:t>
+            </a:r>
+            <a:r>
+              <a:rPr lang="zh-TW" altLang="en-US" dirty="0"/>
+              <a:t>的裝置為操作對象</a:t>
+            </a:r>
+            <a:endParaRPr lang="en-US" altLang="zh-TW" dirty="0"/>
+          </a:p>
+          <a:p>
+            <a:r>
+              <a:rPr lang="zh-TW" altLang="en-US" dirty="0"/>
+              <a:t>讀取即時開放資料的</a:t>
+            </a:r>
+            <a:r>
+              <a:rPr lang="en-US" altLang="zh-TW" dirty="0"/>
+              <a:t>API(</a:t>
+            </a:r>
+            <a:r>
+              <a:rPr lang="zh-TW" altLang="en-US" dirty="0"/>
+              <a:t>如公共腳踏車、空氣盒子、氣象資料、台電發電資料等</a:t>
+            </a:r>
+            <a:r>
+              <a:rPr lang="en-US" altLang="zh-TW" dirty="0"/>
+              <a:t>)</a:t>
+            </a:r>
+            <a:r>
+              <a:rPr lang="zh-TW" altLang="en-US" dirty="0"/>
+              <a:t>，將獲取的資料篩選、運算、詮釋，考慮裝置在樓梯間中的位置，轉換成電子紙的黑白分布。</a:t>
+            </a:r>
+            <a:endParaRPr lang="en-US" altLang="zh-TW" dirty="0"/>
+          </a:p>
+          <a:p>
+            <a:endParaRPr lang="en-US" dirty="0"/>
+          </a:p>
+          <a:p>
+            <a:r>
+              <a:rPr lang="zh-TW" altLang="en-US" dirty="0"/>
+              <a:t>最後成果應包含</a:t>
+            </a:r>
+            <a:endParaRPr lang="en-US" altLang="zh-TW" dirty="0"/>
+          </a:p>
+          <a:p>
+            <a:pPr lvl="1"/>
+            <a:r>
+              <a:rPr lang="zh-TW" altLang="en-US" dirty="0"/>
+              <a:t>說明使用的資料、篩選、運算流程，欲傳達意念等的簡報</a:t>
+            </a:r>
+            <a:endParaRPr lang="en-US" altLang="zh-TW" dirty="0"/>
+          </a:p>
+          <a:p>
+            <a:pPr lvl="1"/>
+            <a:r>
+              <a:rPr lang="en-US" altLang="zh-TW" dirty="0"/>
+              <a:t>Demo</a:t>
+            </a:r>
+            <a:r>
+              <a:rPr lang="zh-TW" altLang="en-US" dirty="0"/>
+              <a:t> </a:t>
+            </a:r>
+            <a:r>
+              <a:rPr lang="en-US" altLang="zh-TW" dirty="0"/>
+              <a:t>Script</a:t>
+            </a:r>
+            <a:r>
+              <a:rPr lang="zh-TW" altLang="en-US" dirty="0"/>
+              <a:t>至少包含</a:t>
+            </a:r>
+            <a:endParaRPr lang="en-US" altLang="zh-TW" dirty="0"/>
+          </a:p>
+          <a:p>
+            <a:pPr lvl="2"/>
+            <a:r>
+              <a:rPr lang="zh-TW" altLang="en-US" dirty="0"/>
+              <a:t>即時讀取</a:t>
+            </a:r>
+            <a:r>
+              <a:rPr lang="en-US" altLang="zh-TW" dirty="0"/>
+              <a:t>API</a:t>
+            </a:r>
+            <a:r>
+              <a:rPr lang="zh-TW" altLang="en-US" dirty="0"/>
+              <a:t>，並依照先前設計理念轉化為</a:t>
+            </a:r>
+            <a:r>
+              <a:rPr lang="en-US" altLang="zh-TW" dirty="0"/>
+              <a:t>Demo</a:t>
+            </a:r>
+            <a:r>
+              <a:rPr lang="zh-TW" altLang="en-US" dirty="0"/>
+              <a:t>畫面</a:t>
+            </a:r>
+            <a:endParaRPr lang="en-US" altLang="zh-TW" dirty="0"/>
+          </a:p>
+          <a:p>
+            <a:pPr lvl="2"/>
+            <a:r>
+              <a:rPr lang="zh-TW" altLang="en-US" dirty="0"/>
+              <a:t>設定數種情境</a:t>
+            </a:r>
+            <a:r>
+              <a:rPr lang="en-US" altLang="zh-TW" dirty="0"/>
+              <a:t>(Demo</a:t>
+            </a:r>
+            <a:r>
+              <a:rPr lang="zh-TW" altLang="en-US" dirty="0"/>
+              <a:t>當時無法即時呈現，如陰雨天情境但</a:t>
+            </a:r>
+            <a:r>
+              <a:rPr lang="en-US" altLang="zh-TW" dirty="0"/>
+              <a:t>Demo</a:t>
+            </a:r>
+            <a:r>
+              <a:rPr lang="zh-TW" altLang="en-US" dirty="0"/>
+              <a:t>當天氣象</a:t>
+            </a:r>
+            <a:r>
+              <a:rPr lang="en-US" altLang="zh-TW" dirty="0"/>
+              <a:t>API</a:t>
+            </a:r>
+            <a:r>
+              <a:rPr lang="zh-TW" altLang="en-US" dirty="0"/>
+              <a:t>顯示為晴天</a:t>
+            </a:r>
+            <a:r>
+              <a:rPr lang="en-US" altLang="zh-TW" dirty="0"/>
+              <a:t>)</a:t>
+            </a:r>
+            <a:r>
+              <a:rPr lang="zh-TW" altLang="en-US" dirty="0"/>
+              <a:t>，將當下的電子紙黑白分布</a:t>
+            </a:r>
+            <a:r>
+              <a:rPr lang="en-US" altLang="zh-TW" dirty="0"/>
+              <a:t>Demo</a:t>
+            </a:r>
+            <a:r>
+              <a:rPr lang="zh-TW" altLang="en-US" dirty="0"/>
+              <a:t>出來</a:t>
+            </a:r>
+            <a:endParaRPr lang="en-US" altLang="zh-TW" dirty="0"/>
+          </a:p>
+        </p:txBody>
+      </p:sp>
+    </p:spTree>
+    <p:extLst>
+      <p:ext uri="{BB962C8B-B14F-4D97-AF65-F5344CB8AC3E}">
+        <p14:creationId xmlns:p14="http://schemas.microsoft.com/office/powerpoint/2010/main" val="2665246128"/>
+      </p:ext>
+    </p:extLst>
+  </p:cSld>
+  <p:clrMapOvr>
+    <a:masterClrMapping/>
+  </p:clrMapOvr>
+</p:sld>
+</file>
+
+<file path=ppt/slides/slide104.xml><?xml version="1.0" encoding="utf-8"?>
+<p:sld xmlns:a="http://schemas.openxmlformats.org/drawingml/2006/main" xmlns:r="http://schemas.openxmlformats.org/officeDocument/2006/relationships" xmlns:p="http://schemas.openxmlformats.org/presentationml/2006/main">
+  <p:cSld>
+    <p:spTree>
+      <p:nvGrpSpPr>
+        <p:cNvPr id="1" name=""/>
+        <p:cNvGrpSpPr/>
+        <p:nvPr/>
+      </p:nvGrpSpPr>
+      <p:grpSpPr>
+        <a:xfrm>
+          <a:off x="0" y="0"/>
+          <a:ext cx="0" cy="0"/>
+          <a:chOff x="0" y="0"/>
+          <a:chExt cx="0" cy="0"/>
+        </a:xfrm>
+      </p:grpSpPr>
+      <p:sp>
+        <p:nvSpPr>
+          <p:cNvPr id="2" name="Title 1">
+            <a:extLst>
+              <a:ext uri="{FF2B5EF4-FFF2-40B4-BE49-F238E27FC236}">
+                <a16:creationId xmlns:a16="http://schemas.microsoft.com/office/drawing/2014/main" id="{04CBA402-0066-469B-9797-CE7587C51EA8}"/>
+              </a:ext>
+            </a:extLst>
+          </p:cNvPr>
+          <p:cNvSpPr>
+            <a:spLocks noGrp="1"/>
+          </p:cNvSpPr>
+          <p:nvPr>
+            <p:ph type="title"/>
+          </p:nvPr>
+        </p:nvSpPr>
+        <p:spPr/>
+        <p:txBody>
+          <a:bodyPr>
+            <a:normAutofit fontScale="90000"/>
+          </a:bodyPr>
+          <a:lstStyle/>
+          <a:p>
+            <a:r>
+              <a:rPr lang="zh-TW" altLang="en-US" dirty="0"/>
+              <a:t>發題</a:t>
+            </a:r>
+            <a:endParaRPr lang="en-US" dirty="0"/>
+          </a:p>
+        </p:txBody>
+      </p:sp>
+      <p:sp>
+        <p:nvSpPr>
+          <p:cNvPr id="3" name="Content Placeholder 2">
+            <a:extLst>
+              <a:ext uri="{FF2B5EF4-FFF2-40B4-BE49-F238E27FC236}">
+                <a16:creationId xmlns:a16="http://schemas.microsoft.com/office/drawing/2014/main" id="{123E2F09-2943-4768-894B-41A064EAABEC}"/>
+              </a:ext>
+            </a:extLst>
+          </p:cNvPr>
+          <p:cNvSpPr>
+            <a:spLocks noGrp="1"/>
+          </p:cNvSpPr>
+          <p:nvPr>
+            <p:ph idx="1"/>
+          </p:nvPr>
+        </p:nvSpPr>
+        <p:spPr/>
+        <p:txBody>
+          <a:bodyPr/>
+          <a:lstStyle/>
+          <a:p>
+            <a:r>
+              <a:rPr lang="en-US" altLang="zh-TW" dirty="0"/>
+              <a:t>Demo</a:t>
+            </a:r>
+            <a:r>
+              <a:rPr lang="zh-TW" altLang="en-US" dirty="0"/>
+              <a:t>方式為軟體模擬</a:t>
+            </a:r>
+            <a:r>
+              <a:rPr lang="en-US" altLang="zh-TW" dirty="0"/>
+              <a:t>Demo</a:t>
+            </a:r>
+          </a:p>
+          <a:p>
+            <a:r>
+              <a:rPr lang="zh-TW" altLang="en-US" dirty="0"/>
+              <a:t>將</a:t>
+            </a:r>
+            <a:r>
+              <a:rPr lang="en-US" altLang="zh-TW" dirty="0" err="1"/>
+              <a:t>Demo_Server</a:t>
+            </a:r>
+            <a:r>
+              <a:rPr lang="zh-TW" altLang="en-US" dirty="0"/>
+              <a:t>的</a:t>
+            </a:r>
+            <a:r>
+              <a:rPr lang="en-US" altLang="zh-TW" dirty="0"/>
+              <a:t>Script</a:t>
+            </a:r>
+            <a:r>
+              <a:rPr lang="zh-TW" altLang="en-US" dirty="0"/>
+              <a:t>開啟後執行，會顯示空白的</a:t>
+            </a:r>
+            <a:r>
+              <a:rPr lang="en-US" altLang="zh-TW" dirty="0"/>
+              <a:t>Chub</a:t>
+            </a:r>
+            <a:r>
+              <a:rPr lang="zh-TW" altLang="en-US" dirty="0"/>
+              <a:t>裝置</a:t>
+            </a:r>
+            <a:endParaRPr lang="en-US" altLang="zh-TW" dirty="0"/>
+          </a:p>
+          <a:p>
+            <a:r>
+              <a:rPr lang="zh-TW" altLang="en-US" dirty="0"/>
+              <a:t>學生的</a:t>
+            </a:r>
+            <a:r>
+              <a:rPr lang="en-US" altLang="zh-TW" dirty="0"/>
+              <a:t>Script</a:t>
+            </a:r>
+            <a:r>
+              <a:rPr lang="zh-TW" altLang="en-US" dirty="0"/>
+              <a:t>向本機</a:t>
+            </a:r>
+            <a:r>
+              <a:rPr lang="en-US" altLang="zh-TW" dirty="0"/>
+              <a:t>IP</a:t>
+            </a:r>
+            <a:r>
+              <a:rPr lang="zh-TW" altLang="en-US" dirty="0"/>
+              <a:t>，指定</a:t>
+            </a:r>
+            <a:r>
+              <a:rPr lang="en-US" altLang="zh-TW" dirty="0"/>
+              <a:t>port</a:t>
+            </a:r>
+            <a:r>
+              <a:rPr lang="zh-TW" altLang="en-US" dirty="0"/>
+              <a:t>發送一段</a:t>
+            </a:r>
+            <a:r>
+              <a:rPr lang="en-US" altLang="zh-TW" dirty="0"/>
+              <a:t>String</a:t>
+            </a:r>
+            <a:r>
+              <a:rPr lang="zh-TW" altLang="en-US" dirty="0"/>
+              <a:t>，即可控制</a:t>
+            </a:r>
+            <a:r>
+              <a:rPr lang="en-US" altLang="zh-TW" dirty="0"/>
+              <a:t>Demo</a:t>
+            </a:r>
+            <a:r>
+              <a:rPr lang="zh-TW" altLang="en-US" dirty="0"/>
+              <a:t>畫面中的</a:t>
+            </a:r>
+            <a:endParaRPr lang="en-US" altLang="zh-TW" dirty="0"/>
+          </a:p>
+          <a:p>
+            <a:r>
+              <a:rPr lang="en-US" altLang="zh-TW" dirty="0"/>
+              <a:t>String</a:t>
+            </a:r>
+            <a:r>
+              <a:rPr lang="zh-TW" altLang="en-US" dirty="0"/>
+              <a:t>的格式：</a:t>
+            </a:r>
+            <a:endParaRPr lang="en-US" altLang="zh-TW" dirty="0"/>
+          </a:p>
+          <a:p>
+            <a:pPr lvl="1"/>
+            <a:r>
+              <a:rPr lang="en-US" altLang="zh-TW" dirty="0"/>
+              <a:t>G-X-Y=N </a:t>
+            </a:r>
+            <a:r>
+              <a:rPr lang="zh-TW" altLang="en-US" dirty="0"/>
+              <a:t>表示電子紙裝置第</a:t>
+            </a:r>
+            <a:r>
+              <a:rPr lang="en-US" altLang="zh-TW" dirty="0"/>
+              <a:t>G</a:t>
+            </a:r>
+            <a:r>
+              <a:rPr lang="zh-TW" altLang="en-US" dirty="0"/>
+              <a:t>群組、第</a:t>
+            </a:r>
+            <a:r>
+              <a:rPr lang="en-US" altLang="zh-TW" dirty="0"/>
+              <a:t>X</a:t>
+            </a:r>
+            <a:r>
+              <a:rPr lang="zh-TW" altLang="en-US" dirty="0"/>
+              <a:t>行、第</a:t>
+            </a:r>
+            <a:r>
+              <a:rPr lang="en-US" altLang="zh-TW" dirty="0"/>
+              <a:t>Y</a:t>
+            </a:r>
+            <a:r>
+              <a:rPr lang="zh-TW" altLang="en-US" dirty="0"/>
+              <a:t>個電子紙單元會變成</a:t>
+            </a:r>
+            <a:r>
+              <a:rPr lang="en-US" altLang="zh-TW" dirty="0"/>
+              <a:t>N</a:t>
+            </a:r>
+            <a:r>
+              <a:rPr lang="zh-TW" altLang="en-US" dirty="0"/>
+              <a:t>色</a:t>
+            </a:r>
+            <a:endParaRPr lang="en-US" altLang="zh-TW" dirty="0"/>
+          </a:p>
+          <a:p>
+            <a:pPr lvl="1"/>
+            <a:r>
+              <a:rPr lang="zh-TW" altLang="en-US" dirty="0"/>
+              <a:t>由上至下為</a:t>
+            </a:r>
+            <a:r>
+              <a:rPr lang="en-US" altLang="zh-TW" dirty="0"/>
+              <a:t>0~6</a:t>
+            </a:r>
+            <a:r>
+              <a:rPr lang="zh-TW" altLang="en-US" dirty="0"/>
+              <a:t>群組、每片為</a:t>
+            </a:r>
+            <a:r>
+              <a:rPr lang="en-US" altLang="zh-TW" dirty="0"/>
+              <a:t>27</a:t>
+            </a:r>
+            <a:r>
+              <a:rPr lang="zh-TW" altLang="en-US" dirty="0"/>
+              <a:t> </a:t>
+            </a:r>
+            <a:r>
+              <a:rPr lang="en-US" altLang="zh-TW" dirty="0"/>
+              <a:t>x</a:t>
+            </a:r>
+            <a:r>
+              <a:rPr lang="zh-TW" altLang="en-US" dirty="0"/>
+              <a:t> </a:t>
+            </a:r>
+            <a:r>
+              <a:rPr lang="en-US" altLang="zh-TW" dirty="0"/>
+              <a:t>27</a:t>
+            </a:r>
+            <a:r>
+              <a:rPr lang="zh-TW" altLang="en-US" dirty="0"/>
+              <a:t>片單元</a:t>
+            </a:r>
+            <a:endParaRPr lang="en-US" altLang="zh-TW" dirty="0"/>
+          </a:p>
+          <a:p>
+            <a:pPr lvl="1"/>
+            <a:r>
+              <a:rPr lang="zh-TW" altLang="en-US" dirty="0"/>
+              <a:t>如：</a:t>
+            </a:r>
+            <a:r>
+              <a:rPr lang="en-US" altLang="zh-TW" dirty="0"/>
+              <a:t>5-1-2=255</a:t>
+            </a:r>
+            <a:r>
+              <a:rPr lang="zh-TW" altLang="en-US" dirty="0"/>
+              <a:t>，表示第</a:t>
+            </a:r>
+            <a:r>
+              <a:rPr lang="en-US" altLang="zh-TW" dirty="0"/>
+              <a:t>5</a:t>
+            </a:r>
+            <a:r>
+              <a:rPr lang="zh-TW" altLang="en-US" dirty="0"/>
+              <a:t>組，第</a:t>
+            </a:r>
+            <a:r>
+              <a:rPr lang="en-US" altLang="zh-TW" dirty="0"/>
+              <a:t>1</a:t>
+            </a:r>
+            <a:r>
+              <a:rPr lang="zh-TW" altLang="en-US" dirty="0"/>
+              <a:t>行的第</a:t>
+            </a:r>
+            <a:r>
+              <a:rPr lang="en-US" altLang="zh-TW" dirty="0"/>
+              <a:t>2</a:t>
+            </a:r>
+            <a:r>
+              <a:rPr lang="zh-TW" altLang="en-US" dirty="0"/>
+              <a:t>個電子紙會變成白色</a:t>
+            </a:r>
+            <a:r>
+              <a:rPr lang="en-US" altLang="zh-TW" dirty="0"/>
+              <a:t>(0~255:</a:t>
+            </a:r>
+            <a:r>
+              <a:rPr lang="zh-TW" altLang="en-US" dirty="0"/>
+              <a:t>黑</a:t>
+            </a:r>
+            <a:r>
+              <a:rPr lang="en-US" altLang="zh-TW" dirty="0"/>
+              <a:t>~</a:t>
+            </a:r>
+            <a:r>
+              <a:rPr lang="zh-TW" altLang="en-US" dirty="0"/>
+              <a:t>白</a:t>
+            </a:r>
+            <a:r>
+              <a:rPr lang="en-US" altLang="zh-TW" dirty="0"/>
+              <a:t>)</a:t>
+            </a:r>
+          </a:p>
+          <a:p>
+            <a:pPr lvl="1"/>
+            <a:r>
+              <a:rPr lang="zh-TW" altLang="en-US" dirty="0"/>
+              <a:t>可以用逗號分隔電子紙單元編號一次變色，如</a:t>
+            </a:r>
+            <a:r>
+              <a:rPr lang="en-US" altLang="zh-TW" dirty="0"/>
+              <a:t>1-1-1,2-2-2=0</a:t>
+            </a:r>
+            <a:r>
+              <a:rPr lang="zh-TW" altLang="en-US" dirty="0"/>
+              <a:t>可以將兩個電子紙同時變黑色</a:t>
+            </a:r>
+            <a:endParaRPr lang="en-US" altLang="zh-TW" dirty="0"/>
+          </a:p>
+          <a:p>
+            <a:pPr lvl="1"/>
+            <a:r>
+              <a:rPr lang="zh-TW" altLang="en-US" dirty="0"/>
+              <a:t>一次可以傳送多組指令，用</a:t>
+            </a:r>
+            <a:r>
+              <a:rPr lang="en-US" altLang="zh-TW" dirty="0"/>
+              <a:t>&amp;</a:t>
+            </a:r>
+            <a:r>
+              <a:rPr lang="zh-TW" altLang="en-US" dirty="0"/>
+              <a:t>號分隔不同顏色指令，如</a:t>
+            </a:r>
+            <a:r>
+              <a:rPr lang="en-US" altLang="zh-TW" dirty="0"/>
+              <a:t>1-1-1=255&amp;2-2-2=128</a:t>
+            </a:r>
+          </a:p>
+          <a:p>
+            <a:pPr lvl="1"/>
+            <a:r>
+              <a:rPr lang="zh-TW" altLang="en-US" dirty="0"/>
+              <a:t>變色完成之後會回傳</a:t>
+            </a:r>
+            <a:r>
+              <a:rPr lang="en-US" altLang="zh-TW" dirty="0"/>
+              <a:t>"OK"</a:t>
+            </a:r>
+          </a:p>
+          <a:p>
+            <a:pPr lvl="1"/>
+            <a:endParaRPr lang="en-US" altLang="zh-TW" dirty="0"/>
+          </a:p>
+          <a:p>
+            <a:r>
+              <a:rPr lang="en-US" altLang="zh-TW" dirty="0"/>
+              <a:t>Demo</a:t>
+            </a:r>
+            <a:r>
+              <a:rPr lang="zh-TW" altLang="en-US" dirty="0"/>
+              <a:t>軟體的操作模式與實機有所出入，但基本邏輯是類</a:t>
+            </a:r>
+            <a:r>
+              <a:rPr lang="zh-TW" altLang="en-US"/>
+              <a:t>似的</a:t>
+            </a:r>
+            <a:endParaRPr lang="en-US" altLang="zh-TW" dirty="0"/>
+          </a:p>
+        </p:txBody>
+      </p:sp>
+    </p:spTree>
+    <p:extLst>
+      <p:ext uri="{BB962C8B-B14F-4D97-AF65-F5344CB8AC3E}">
+        <p14:creationId xmlns:p14="http://schemas.microsoft.com/office/powerpoint/2010/main" val="1940813311"/>
+      </p:ext>
+    </p:extLst>
+  </p:cSld>
+  <p:clrMapOvr>
+    <a:masterClrMapping/>
+  </p:clrMapOvr>
+</p:sld>
+</file>
+
+<file path=ppt/slides/slide105.xml><?xml version="1.0" encoding="utf-8"?>
+<p:sld xmlns:a="http://schemas.openxmlformats.org/drawingml/2006/main" xmlns:r="http://schemas.openxmlformats.org/officeDocument/2006/relationships" xmlns:p="http://schemas.openxmlformats.org/presentationml/2006/main">
+  <p:cSld>
+    <p:spTree>
+      <p:nvGrpSpPr>
+        <p:cNvPr id="1" name=""/>
+        <p:cNvGrpSpPr/>
+        <p:nvPr/>
+      </p:nvGrpSpPr>
+      <p:grpSpPr>
+        <a:xfrm>
+          <a:off x="0" y="0"/>
+          <a:ext cx="0" cy="0"/>
+          <a:chOff x="0" y="0"/>
+          <a:chExt cx="0" cy="0"/>
+        </a:xfrm>
+      </p:grpSpPr>
+      <p:sp>
+        <p:nvSpPr>
+          <p:cNvPr id="2" name="Title 1">
+            <a:extLst>
+              <a:ext uri="{FF2B5EF4-FFF2-40B4-BE49-F238E27FC236}">
+                <a16:creationId xmlns:a16="http://schemas.microsoft.com/office/drawing/2014/main" id="{04CBA402-0066-469B-9797-CE7587C51EA8}"/>
+              </a:ext>
+            </a:extLst>
+          </p:cNvPr>
+          <p:cNvSpPr>
+            <a:spLocks noGrp="1"/>
+          </p:cNvSpPr>
+          <p:nvPr>
+            <p:ph type="title"/>
+          </p:nvPr>
+        </p:nvSpPr>
+        <p:spPr/>
+        <p:txBody>
+          <a:bodyPr>
+            <a:normAutofit fontScale="90000"/>
+          </a:bodyPr>
+          <a:lstStyle/>
+          <a:p>
+            <a:r>
+              <a:rPr lang="zh-TW" altLang="en-US" dirty="0"/>
+              <a:t>參考</a:t>
+            </a:r>
+            <a:r>
+              <a:rPr lang="en-US" altLang="zh-TW" dirty="0"/>
+              <a:t>Demo</a:t>
+            </a:r>
+            <a:r>
+              <a:rPr lang="zh-TW" altLang="en-US" dirty="0"/>
+              <a:t>畫面</a:t>
+            </a:r>
+            <a:endParaRPr lang="en-US" dirty="0"/>
+          </a:p>
+        </p:txBody>
+      </p:sp>
+      <p:pic>
+        <p:nvPicPr>
+          <p:cNvPr id="4" name="Content Placeholder 3">
+            <a:extLst>
+              <a:ext uri="{FF2B5EF4-FFF2-40B4-BE49-F238E27FC236}">
+                <a16:creationId xmlns:a16="http://schemas.microsoft.com/office/drawing/2014/main" id="{BBF3F4F5-09F4-473C-801F-A9BF09CE7996}"/>
+              </a:ext>
+            </a:extLst>
+          </p:cNvPr>
+          <p:cNvPicPr>
+            <a:picLocks noGrp="1" noChangeAspect="1"/>
+          </p:cNvPicPr>
+          <p:nvPr>
+            <p:ph idx="1"/>
+          </p:nvPr>
+        </p:nvPicPr>
+        <p:blipFill>
+          <a:blip r:embed="rId2"/>
+          <a:stretch>
+            <a:fillRect/>
+          </a:stretch>
+        </p:blipFill>
+        <p:spPr>
+          <a:xfrm>
+            <a:off x="2199129" y="1168400"/>
+            <a:ext cx="7793742" cy="5008563"/>
+          </a:xfrm>
+          <a:prstGeom prst="rect">
+            <a:avLst/>
+          </a:prstGeom>
+        </p:spPr>
+      </p:pic>
+    </p:spTree>
+    <p:extLst>
+      <p:ext uri="{BB962C8B-B14F-4D97-AF65-F5344CB8AC3E}">
+        <p14:creationId xmlns:p14="http://schemas.microsoft.com/office/powerpoint/2010/main" val="1914852524"/>
       </p:ext>
     </p:extLst>
   </p:cSld>
